--- a/react-in-enterprise-anwendungen.pptx
+++ b/react-in-enterprise-anwendungen.pptx
@@ -5314,7 +5314,7 @@
         <p:spPr>
           <a:xfrm>
             <a:off x="1369620" y="5024945"/>
-            <a:ext cx="7229800" cy="646331"/>
+            <a:ext cx="7229800" cy="880177"/>
           </a:xfrm>
           <a:prstGeom prst="rect">
             <a:avLst/>
@@ -5326,7 +5326,11 @@
           </a:bodyPr>
           <a:lstStyle/>
           <a:p>
-            <a:pPr algn="r"/>
+            <a:pPr algn="r">
+              <a:lnSpc>
+                <a:spcPct val="150000"/>
+              </a:lnSpc>
+            </a:pPr>
             <a:r>
               <a:rPr lang="de-DE" b="1" dirty="0" err="1">
                 <a:solidFill>
@@ -5341,11 +5345,31 @@
                   <a:srgbClr val="36544F"/>
                 </a:solidFill>
               </a:rPr>
-              <a:t>: http://bit.ly/bedcon-react</a:t>
-            </a:r>
-          </a:p>
-          <a:p>
-            <a:pPr algn="r"/>
+              <a:t>: http://</a:t>
+            </a:r>
+            <a:r>
+              <a:rPr lang="de-DE" b="1" dirty="0" err="1">
+                <a:solidFill>
+                  <a:srgbClr val="36544F"/>
+                </a:solidFill>
+              </a:rPr>
+              <a:t>bit.ly</a:t>
+            </a:r>
+            <a:r>
+              <a:rPr lang="de-DE" b="1" dirty="0">
+                <a:solidFill>
+                  <a:srgbClr val="36544F"/>
+                </a:solidFill>
+              </a:rPr>
+              <a:t>/jax2018-react-enterprise</a:t>
+            </a:r>
+          </a:p>
+          <a:p>
+            <a:pPr algn="r">
+              <a:lnSpc>
+                <a:spcPct val="150000"/>
+              </a:lnSpc>
+            </a:pPr>
             <a:r>
               <a:rPr lang="de-DE" b="1" dirty="0">
                 <a:solidFill>
@@ -7649,7 +7673,7 @@
                 <a:ea typeface="Source Sans Pro" charset="0"/>
                 <a:cs typeface="Source Sans Pro" charset="0"/>
               </a:rPr>
-              <a:t> 16.2</a:t>
+              <a:t> 16</a:t>
             </a:r>
           </a:p>
           <a:p>
@@ -8345,7 +8369,7 @@
                 <a:ea typeface="Source Sans Pro" charset="0"/>
                 <a:cs typeface="Source Sans Pro" charset="0"/>
               </a:rPr>
-              <a:t> 16.2</a:t>
+              <a:t> 16</a:t>
             </a:r>
           </a:p>
           <a:p>
@@ -21688,12 +21712,12 @@
               <a:t>  </a:t>
             </a:r>
             <a:r>
-              <a:rPr lang="de-DE" sz="1625" dirty="0" err="1">
-                <a:solidFill>
-                  <a:srgbClr val="36544F"/>
-                </a:solidFill>
-                <a:latin typeface="Source Code Pro Medium" charset="0"/>
-                <a:ea typeface="Source Code Pro Medium" charset="0"/>
+              <a:rPr lang="de-DE" sz="1625" b="1" dirty="0" err="1">
+                <a:solidFill>
+                  <a:srgbClr val="41719C"/>
+                </a:solidFill>
+                <a:latin typeface="Source Code Pro Semibold" panose="020B0509030403020204" pitchFamily="49" charset="0"/>
+                <a:ea typeface="Source Code Pro Semibold" panose="020B0509030403020204" pitchFamily="49" charset="0"/>
                 <a:cs typeface="Source Code Pro Medium" charset="0"/>
               </a:rPr>
               <a:t>async</a:t>
@@ -24969,7 +24993,7 @@
                 <a:ea typeface="Source Code Pro Medium" charset="0"/>
                 <a:cs typeface="Source Code Pro Medium" charset="0"/>
               </a:rPr>
-              <a:t>    </a:t>
+              <a:t>      </a:t>
             </a:r>
             <a:r>
               <a:rPr lang="de-DE" sz="1625" dirty="0" err="1">
@@ -36020,8 +36044,8 @@
         </p:nvSpPr>
         <p:spPr>
           <a:xfrm>
-            <a:off x="3461727" y="1836717"/>
-            <a:ext cx="2982547" cy="400110"/>
+            <a:off x="2857713" y="1836717"/>
+            <a:ext cx="4190571" cy="400110"/>
           </a:xfrm>
           <a:prstGeom prst="rect">
             <a:avLst/>
@@ -36056,21 +36080,8 @@
                   <a:srgbClr val="025249"/>
                 </a:solidFill>
               </a:rPr>
-              <a:t>/</a:t>
-            </a:r>
-            <a:r>
-              <a:rPr lang="de-DE" sz="2000" b="1" dirty="0" err="1">
-                <a:solidFill>
-                  <a:srgbClr val="025249"/>
-                </a:solidFill>
-              </a:rPr>
-              <a:t>bedcon-react</a:t>
-            </a:r>
-            <a:endParaRPr lang="de-DE" sz="2000" b="1" dirty="0">
-              <a:solidFill>
-                <a:srgbClr val="025249"/>
-              </a:solidFill>
-            </a:endParaRPr>
+              <a:t>/jax2018-react-enterprise</a:t>
+            </a:r>
           </a:p>
         </p:txBody>
       </p:sp>
